--- a/PPT/control_structures.pptx
+++ b/PPT/control_structures.pptx
@@ -4,6 +4,9 @@
   <p:sldMasterIdLst>
     <p:sldMasterId id="2147483660" r:id="rId1"/>
   </p:sldMasterIdLst>
+  <p:notesMasterIdLst>
+    <p:notesMasterId r:id="rId21"/>
+  </p:notesMasterIdLst>
   <p:sldIdLst>
     <p:sldId id="256" r:id="rId2"/>
     <p:sldId id="257" r:id="rId3"/>
@@ -22,7 +25,8 @@
     <p:sldId id="275" r:id="rId16"/>
     <p:sldId id="276" r:id="rId17"/>
     <p:sldId id="278" r:id="rId18"/>
-    <p:sldId id="259" r:id="rId19"/>
+    <p:sldId id="279" r:id="rId19"/>
+    <p:sldId id="259" r:id="rId20"/>
   </p:sldIdLst>
   <p:sldSz cx="9144000" cy="6858000" type="screen4x3"/>
   <p:notesSz cx="6858000" cy="9144000"/>
@@ -161,8 +165,8 @@
   <inkml:trace contextRef="#ctx0" brushRef="#br0" timeOffset="18575.8644">19833 13335,'0'-21,"-21"21,0 0,0 0,0 0,-1 0,1 0,0 21,0-21,0 0,21 21,-21-21,21 21,-22-21,44 0,-22 22,21-1,0-21,-21 21,21-21,-21 21,21-21,-21 21,21-21,1 0,-22 21,21-21,0 0,-21 22,21-22,0 0,0 0,-21 21,22-21,-22 21,21-21,-21 21,21-21</inkml:trace>
   <inkml:trace contextRef="#ctx0" brushRef="#br0" timeOffset="45784.013">17272 11261,'0'42,"0"-21,0 0,0 1,0-1,0 0,0 0,0 0,0 0,0 1,0-1,0 0,0 0,0 0,0 0,0 1,0-1,0 0,0 0,0 0,0 0,0 1,0-1,0 0,0 0,21-21,-21 21,0 0,0 22,0-22,0 0,0 0,0 0,21-21,-21 22,0-1,0 0,0 0,0 0,22-21,-22 21,0 1,0-1,0 0,0 0,0 0,0 0,0 1,0-1,0 0,0 0,0 0,0 0,0 1,0-1,0 0,0 0,0 0,0 0,0 1,0-1,0 0,0 0,0 0,0 0,0 1,0-1,0 0,0 0,0 21,0-20,21-1,-21 0,0 0,0 0,0 0,0 1,0-1,0 21,0-21,21 22,-21-22,0 0,0 0,0 0,0 0,0 1,0-1,0 0,0 0,0 0,0 0,0 1,0-1,0 0,0 0,0 0,0 0,0 1,0-1,0 0,0 0,0 0,0 0,0 1,21-22,-21 21,0 0,0 0,0 0,0 0,0 22,0-22,0 0,0 0,0 0,0 1,0-1,0 0,0 0,0 0,0 0,0 1,0-1,0 0,0 0,0 0,0 0,0 1,21-1,-21 21,0-21,0 0,0 1,0-1,0 0,0 0,0 0,0 0,0 1,0-1,0 0,0 0,0 0,0 0,0 1,0-1,0 0,21-21,1 0,-1 0,0 0,0 0,0 0,0 0,1 0,-1 0,0 0,0 0,0 0,0 0,1 0,-1 0,0 0,0 0,0 0,0 0,1 0,-1 0,0 0,0 0,0 0,-21-21,21 0,1 21,-1-22</inkml:trace>
   <inkml:trace contextRef="#ctx0" brushRef="#br0" timeOffset="48863.6579">18542 14076,'-42'0,"21"42,-1-42,1 21,21 1,-21-1,0 0,21 0,0 0,-21 0,21 1,0 20,-21-21,21 0,0 0,0 1,0-1,0 0,0 0,0 0,0 0,21-21,0 22,0-1,0-21,-21 21,21-21,-21 21,22-21,-1 0,0 0,0 0,0 0,0 0,1 0,-1 0,0 0,0 0</inkml:trace>
-  <inkml:trace contextRef="#ctx0" brushRef="#br0" timeOffset="50527.6218">18838 14351,'22'0,"-1"0,0 0,-21 21,0 0,21 1,-21-1,0 0,0 0,21-21,-21 21,0 0,0 1,0-1,0 0,0 0,0 0,0 0,-21-21,21 22,-21-22,21 21,-21-21,21 21,-21-21,-1 0,1 0,0 0,0 0,0 0,21-21,0 0,0-1,0 1,0 0,0 0,0 0,0 0,0-1,0 1,0 0,0 0,0 0,21 21,-21-21,0-1,21 22,-21-21,21 21,-21-21,21 21</inkml:trace>
-  <inkml:trace contextRef="#ctx0" brushRef="#br0" timeOffset="51926.7774">19092 14330,'0'42,"0"1,0-22,0 0,0 0,0 0,0 0,0 1,0-1,0 0,0 0,0 0,0-63,0-22,0 43,0-21,22 0,-1-1,0 1,-21 21,21 21,0 0,-21-21,21 21,1 0,-1 0,-21-22,21 22,0 22,-21-1,0 0,21 0,-21 21,0-20,0-1,0 0,0 21,0-21,0 1,0 20,0-21,0 0</inkml:trace>
+  <inkml:trace contextRef="#ctx0" brushRef="#br0" timeOffset="50527.6217">18838 14351,'22'0,"-1"0,0 0,-21 21,0 0,21 1,-21-1,0 0,0 0,21-21,-21 21,0 0,0 1,0-1,0 0,0 0,0 0,0 0,-21-21,21 22,-21-22,21 21,-21-21,21 21,-21-21,-1 0,1 0,0 0,0 0,0 0,21-21,0 0,0-1,0 1,0 0,0 0,0 0,0 0,0-1,0 1,0 0,0 0,0 0,21 21,-21-21,0-1,21 22,-21-21,21 21,-21-21,21 21</inkml:trace>
+  <inkml:trace contextRef="#ctx0" brushRef="#br0" timeOffset="51926.7773">19092 14330,'0'42,"0"1,0-22,0 0,0 0,0 0,0 0,0 1,0-1,0 0,0 0,0 0,0-63,0-22,0 43,0-21,22 0,-1-1,0 1,-21 21,21 21,0 0,-21-21,21 21,1 0,-1 0,-21-22,21 22,0 22,-21-1,0 0,21 0,-21 21,0-20,0-1,0 0,0 21,0-21,0 1,0 20,0-21,0 0</inkml:trace>
   <inkml:trace contextRef="#ctx0" brushRef="#br0" timeOffset="53112.1026">19473 14012,'0'43,"0"-1,0 0,0-20,0 20,0-21,0 21,0-20,0 20,0-21,0 43,0-22,0-21,0 0,0 0,0 1,0-1,0 0,0 0,22-21,-1 0,0 0,0 0,0 0,0 0,1 0,-1-21,-21 0,21 21,-21-21,0-1</inkml:trace>
   <inkml:trace contextRef="#ctx0" brushRef="#br0" timeOffset="53776.275">19410 14288,'21'0,"0"0,22 0,-1 0,-21 0,0 0,0 0,1 0,20 0,-21-22,0 22,-42 0,21 22</inkml:trace>
   <inkml:trace contextRef="#ctx0" brushRef="#br0" timeOffset="54631.4198">19812 14266,'0'22,"0"20,0-21,0 0,0 0,0 1,0-1,0 0,0 0,0 0,0 0,0 1,0-1,0 0</inkml:trace>
@@ -197,9 +201,443 @@
   <inkml:trace contextRef="#ctx0" brushRef="#br0" timeOffset="1536.799">18140 15579,'0'21,"42"21,1 1,-1-1,-21 0,21 1,-20-22,-1 21,0 0,0 1,0-22,-21 42,21-63,-21 22,0-1,0 0,0 0,22-21,-44-21,-41-85,42 64,-22-1,43-20,0 42,-21 0,21-22,0 22,0 0,0 0,0 0,21-22,1 43,-22-21,21 21,0-21,0 21,-21-21,21 21,-21-21,21 21,1 0,-22-22,21 22</inkml:trace>
   <inkml:trace contextRef="#ctx0" brushRef="#br0" timeOffset="3351.976">18627 15875,'21'0,"0"0,21-42,1-1,-22 22,0 0,-21 0,0 0,21 0,-21-1,0 1,0 0,-21 21,0-21,-21 21,20 0,1 0,0 21,21 0,0 0,-21 22,21-1,0-21,0 0,0 1,0 20,0-21,0 0,0 0,0 1,21 20,0-42,0 42,1-42,-22 21,21-21,0 0,0 0,0-21,22-21,-22 0,0 20,21-41,-42 42,21 0,-21-22,22-41,-22 62,21-41,-21 21,0-22,0 1,0 20,0-20,0 20,0 1,0 0,0 21,21 21,-21 84,0-20,0-1,0 1,21-22,-21 22,21-1,0-21,-21 1,0 20,0-20,22-22,-1 21,-21-21,21 0,-21 1,21-22,0 0,0 0,1-22,20 1,-21 21,0-21,0 21,22-21,-22 21,0-21,0 21</inkml:trace>
   <inkml:trace contextRef="#ctx0" brushRef="#br0" timeOffset="4000.6181">19050 15621,'21'0,"43"0,-1 0,-42 0,1 0,-1 0,0 0</inkml:trace>
-  <inkml:trace contextRef="#ctx0" brushRef="#br0" timeOffset="6055.9578">19389 15579,'0'21,"21"64,0-22,0 22,0-22,1 1,-22-43,0 0,0 21,21-42,-21 22,21-65,21-20,-21-1,-21 1,22-1,-1 22,0 21,-21-22,0 22,21 21,0 0,0 64,-21-1,22-20,-1-1,-21 0,0-21,21 22,0-22,-21 0,0 0,21-21,0 21,-21 1,22-22,20-43,-21 22,21-42,-20-1,-1 22,0-1,0 1,0 21,-21 0,0 0,0-1,0 1,0 0,0 0,0-21,-21 42,21-22,-21 22,21 22,0-1,0 0,0 0,21-21,0 0,0 0,1 0,-1 0,0 0,0 0,0 0,-21 21,21-21,-21 21,0 22,0-22,0 0,0 21,0 1,0-22,0 21,0-21,22 1,-22-1,0 0</inkml:trace>
+  <inkml:trace contextRef="#ctx0" brushRef="#br0" timeOffset="6055.9577">19389 15579,'0'21,"21"64,0-22,0 22,0-22,1 1,-22-43,0 0,0 21,21-42,-21 22,21-65,21-20,-21-1,-21 1,22-1,-1 22,0 21,-21-22,0 22,21 21,0 0,0 64,-21-1,22-20,-1-1,-21 0,0-21,21 22,0-22,-21 0,0 0,21-21,0 21,-21 1,22-22,20-43,-21 22,21-42,-20-1,-1 22,0-1,0 1,0 21,-21 0,0 0,0-1,0 1,0 0,0 0,0-21,-21 42,21-22,-21 22,21 22,0-1,0 0,0 0,21-21,0 0,0 0,1 0,-1 0,0 0,0 0,0 0,-21 21,21-21,-21 21,0 22,0-22,0 0,0 21,0 1,0-22,0 21,0-21,22 1,-22-1,0 0</inkml:trace>
   <inkml:trace contextRef="#ctx0" brushRef="#br0" timeOffset="7816.9854">20362 15600,'22'0,"-1"21,-21 0,21 22,0 20,0-21,0-20,1 20,-22 0,21 1,0-22,-42-42,0-85,21 85,0-1,0-20,0-21,0 41,0-20,0 21,21 21,-21-21,21 21,0 0,0 0,0 0,1 0,-1 0,-21 21,21-21,0 42,-21 1,21-22,0 0,-21 0,0 0,0 0,22-21,-22 22,0-1,21-21,-21 21,0 0,0 0,0 0,21-21,-21 22,0-1,0 0</inkml:trace>
 </inkml:ink>
+</file>
+
+<file path=ppt/notesMasters/notesMaster1.xml><?xml version="1.0" encoding="utf-8"?>
+<p:notesMaster xmlns:a="http://schemas.openxmlformats.org/drawingml/2006/main" xmlns:r="http://schemas.openxmlformats.org/officeDocument/2006/relationships" xmlns:p="http://schemas.openxmlformats.org/presentationml/2006/main">
+  <p:cSld>
+    <p:bg>
+      <p:bgRef idx="1001">
+        <a:schemeClr val="bg1"/>
+      </p:bgRef>
+    </p:bg>
+    <p:spTree>
+      <p:nvGrpSpPr>
+        <p:cNvPr id="1" name=""/>
+        <p:cNvGrpSpPr/>
+        <p:nvPr/>
+      </p:nvGrpSpPr>
+      <p:grpSpPr>
+        <a:xfrm>
+          <a:off x="0" y="0"/>
+          <a:ext cx="0" cy="0"/>
+          <a:chOff x="0" y="0"/>
+          <a:chExt cx="0" cy="0"/>
+        </a:xfrm>
+      </p:grpSpPr>
+      <p:sp>
+        <p:nvSpPr>
+          <p:cNvPr id="2" name="Header Placeholder 1"/>
+          <p:cNvSpPr>
+            <a:spLocks noGrp="1"/>
+          </p:cNvSpPr>
+          <p:nvPr>
+            <p:ph type="hdr" sz="quarter"/>
+          </p:nvPr>
+        </p:nvSpPr>
+        <p:spPr>
+          <a:xfrm>
+            <a:off x="0" y="0"/>
+            <a:ext cx="2971800" cy="457200"/>
+          </a:xfrm>
+          <a:prstGeom prst="rect">
+            <a:avLst/>
+          </a:prstGeom>
+        </p:spPr>
+        <p:txBody>
+          <a:bodyPr vert="horz" lIns="91440" tIns="45720" rIns="91440" bIns="45720" rtlCol="0"/>
+          <a:lstStyle>
+            <a:lvl1pPr algn="l">
+              <a:defRPr sz="1200"/>
+            </a:lvl1pPr>
+          </a:lstStyle>
+          <a:p>
+            <a:endParaRPr lang="en-US"/>
+          </a:p>
+        </p:txBody>
+      </p:sp>
+      <p:sp>
+        <p:nvSpPr>
+          <p:cNvPr id="3" name="Date Placeholder 2"/>
+          <p:cNvSpPr>
+            <a:spLocks noGrp="1"/>
+          </p:cNvSpPr>
+          <p:nvPr>
+            <p:ph type="dt" idx="1"/>
+          </p:nvPr>
+        </p:nvSpPr>
+        <p:spPr>
+          <a:xfrm>
+            <a:off x="3884613" y="0"/>
+            <a:ext cx="2971800" cy="457200"/>
+          </a:xfrm>
+          <a:prstGeom prst="rect">
+            <a:avLst/>
+          </a:prstGeom>
+        </p:spPr>
+        <p:txBody>
+          <a:bodyPr vert="horz" lIns="91440" tIns="45720" rIns="91440" bIns="45720" rtlCol="0"/>
+          <a:lstStyle>
+            <a:lvl1pPr algn="r">
+              <a:defRPr sz="1200"/>
+            </a:lvl1pPr>
+          </a:lstStyle>
+          <a:p>
+            <a:fld id="{C1B8E64C-0EDD-4C93-95A2-E8C52A5645D1}" type="datetimeFigureOut">
+              <a:rPr lang="en-US" smtClean="0"/>
+              <a:t>06-Nov-20</a:t>
+            </a:fld>
+            <a:endParaRPr lang="en-US"/>
+          </a:p>
+        </p:txBody>
+      </p:sp>
+      <p:sp>
+        <p:nvSpPr>
+          <p:cNvPr id="4" name="Slide Image Placeholder 3"/>
+          <p:cNvSpPr>
+            <a:spLocks noGrp="1" noRot="1" noChangeAspect="1"/>
+          </p:cNvSpPr>
+          <p:nvPr>
+            <p:ph type="sldImg" idx="2"/>
+          </p:nvPr>
+        </p:nvSpPr>
+        <p:spPr>
+          <a:xfrm>
+            <a:off x="1143000" y="685800"/>
+            <a:ext cx="4572000" cy="3429000"/>
+          </a:xfrm>
+          <a:prstGeom prst="rect">
+            <a:avLst/>
+          </a:prstGeom>
+          <a:noFill/>
+          <a:ln w="12700">
+            <a:solidFill>
+              <a:prstClr val="black"/>
+            </a:solidFill>
+          </a:ln>
+        </p:spPr>
+        <p:txBody>
+          <a:bodyPr vert="horz" lIns="91440" tIns="45720" rIns="91440" bIns="45720" rtlCol="0" anchor="ctr"/>
+          <a:lstStyle/>
+          <a:p>
+            <a:endParaRPr lang="en-US"/>
+          </a:p>
+        </p:txBody>
+      </p:sp>
+      <p:sp>
+        <p:nvSpPr>
+          <p:cNvPr id="5" name="Notes Placeholder 4"/>
+          <p:cNvSpPr>
+            <a:spLocks noGrp="1"/>
+          </p:cNvSpPr>
+          <p:nvPr>
+            <p:ph type="body" sz="quarter" idx="3"/>
+          </p:nvPr>
+        </p:nvSpPr>
+        <p:spPr>
+          <a:xfrm>
+            <a:off x="685800" y="4343400"/>
+            <a:ext cx="5486400" cy="4114800"/>
+          </a:xfrm>
+          <a:prstGeom prst="rect">
+            <a:avLst/>
+          </a:prstGeom>
+        </p:spPr>
+        <p:txBody>
+          <a:bodyPr vert="horz" lIns="91440" tIns="45720" rIns="91440" bIns="45720" rtlCol="0"/>
+          <a:lstStyle/>
+          <a:p>
+            <a:pPr lvl="0"/>
+            <a:r>
+              <a:rPr lang="en-US" smtClean="0"/>
+              <a:t>Click to edit Master text styles</a:t>
+            </a:r>
+          </a:p>
+          <a:p>
+            <a:pPr lvl="1"/>
+            <a:r>
+              <a:rPr lang="en-US" smtClean="0"/>
+              <a:t>Second level</a:t>
+            </a:r>
+          </a:p>
+          <a:p>
+            <a:pPr lvl="2"/>
+            <a:r>
+              <a:rPr lang="en-US" smtClean="0"/>
+              <a:t>Third level</a:t>
+            </a:r>
+          </a:p>
+          <a:p>
+            <a:pPr lvl="3"/>
+            <a:r>
+              <a:rPr lang="en-US" smtClean="0"/>
+              <a:t>Fourth level</a:t>
+            </a:r>
+          </a:p>
+          <a:p>
+            <a:pPr lvl="4"/>
+            <a:r>
+              <a:rPr lang="en-US" smtClean="0"/>
+              <a:t>Fifth level</a:t>
+            </a:r>
+            <a:endParaRPr lang="en-US"/>
+          </a:p>
+        </p:txBody>
+      </p:sp>
+      <p:sp>
+        <p:nvSpPr>
+          <p:cNvPr id="6" name="Footer Placeholder 5"/>
+          <p:cNvSpPr>
+            <a:spLocks noGrp="1"/>
+          </p:cNvSpPr>
+          <p:nvPr>
+            <p:ph type="ftr" sz="quarter" idx="4"/>
+          </p:nvPr>
+        </p:nvSpPr>
+        <p:spPr>
+          <a:xfrm>
+            <a:off x="0" y="8685213"/>
+            <a:ext cx="2971800" cy="457200"/>
+          </a:xfrm>
+          <a:prstGeom prst="rect">
+            <a:avLst/>
+          </a:prstGeom>
+        </p:spPr>
+        <p:txBody>
+          <a:bodyPr vert="horz" lIns="91440" tIns="45720" rIns="91440" bIns="45720" rtlCol="0" anchor="b"/>
+          <a:lstStyle>
+            <a:lvl1pPr algn="l">
+              <a:defRPr sz="1200"/>
+            </a:lvl1pPr>
+          </a:lstStyle>
+          <a:p>
+            <a:endParaRPr lang="en-US"/>
+          </a:p>
+        </p:txBody>
+      </p:sp>
+      <p:sp>
+        <p:nvSpPr>
+          <p:cNvPr id="7" name="Slide Number Placeholder 6"/>
+          <p:cNvSpPr>
+            <a:spLocks noGrp="1"/>
+          </p:cNvSpPr>
+          <p:nvPr>
+            <p:ph type="sldNum" sz="quarter" idx="5"/>
+          </p:nvPr>
+        </p:nvSpPr>
+        <p:spPr>
+          <a:xfrm>
+            <a:off x="3884613" y="8685213"/>
+            <a:ext cx="2971800" cy="457200"/>
+          </a:xfrm>
+          <a:prstGeom prst="rect">
+            <a:avLst/>
+          </a:prstGeom>
+        </p:spPr>
+        <p:txBody>
+          <a:bodyPr vert="horz" lIns="91440" tIns="45720" rIns="91440" bIns="45720" rtlCol="0" anchor="b"/>
+          <a:lstStyle>
+            <a:lvl1pPr algn="r">
+              <a:defRPr sz="1200"/>
+            </a:lvl1pPr>
+          </a:lstStyle>
+          <a:p>
+            <a:fld id="{8741BC28-5DAD-456A-ABFE-38373E61BD22}" type="slidenum">
+              <a:rPr lang="en-US" smtClean="0"/>
+              <a:t>‹#›</a:t>
+            </a:fld>
+            <a:endParaRPr lang="en-US"/>
+          </a:p>
+        </p:txBody>
+      </p:sp>
+    </p:spTree>
+    <p:extLst>
+      <p:ext uri="{BB962C8B-B14F-4D97-AF65-F5344CB8AC3E}">
+        <p14:creationId xmlns:p14="http://schemas.microsoft.com/office/powerpoint/2010/main" val="939114914"/>
+      </p:ext>
+    </p:extLst>
+  </p:cSld>
+  <p:clrMap bg1="lt1" tx1="dk1" bg2="lt2" tx2="dk2" accent1="accent1" accent2="accent2" accent3="accent3" accent4="accent4" accent5="accent5" accent6="accent6" hlink="hlink" folHlink="folHlink"/>
+  <p:notesStyle>
+    <a:lvl1pPr marL="0" algn="l" defTabSz="914400" rtl="0" eaLnBrk="1" latinLnBrk="0" hangingPunct="1">
+      <a:defRPr sz="1200" kern="1200">
+        <a:solidFill>
+          <a:schemeClr val="tx1"/>
+        </a:solidFill>
+        <a:latin typeface="+mn-lt"/>
+        <a:ea typeface="+mn-ea"/>
+        <a:cs typeface="+mn-cs"/>
+      </a:defRPr>
+    </a:lvl1pPr>
+    <a:lvl2pPr marL="457200" algn="l" defTabSz="914400" rtl="0" eaLnBrk="1" latinLnBrk="0" hangingPunct="1">
+      <a:defRPr sz="1200" kern="1200">
+        <a:solidFill>
+          <a:schemeClr val="tx1"/>
+        </a:solidFill>
+        <a:latin typeface="+mn-lt"/>
+        <a:ea typeface="+mn-ea"/>
+        <a:cs typeface="+mn-cs"/>
+      </a:defRPr>
+    </a:lvl2pPr>
+    <a:lvl3pPr marL="914400" algn="l" defTabSz="914400" rtl="0" eaLnBrk="1" latinLnBrk="0" hangingPunct="1">
+      <a:defRPr sz="1200" kern="1200">
+        <a:solidFill>
+          <a:schemeClr val="tx1"/>
+        </a:solidFill>
+        <a:latin typeface="+mn-lt"/>
+        <a:ea typeface="+mn-ea"/>
+        <a:cs typeface="+mn-cs"/>
+      </a:defRPr>
+    </a:lvl3pPr>
+    <a:lvl4pPr marL="1371600" algn="l" defTabSz="914400" rtl="0" eaLnBrk="1" latinLnBrk="0" hangingPunct="1">
+      <a:defRPr sz="1200" kern="1200">
+        <a:solidFill>
+          <a:schemeClr val="tx1"/>
+        </a:solidFill>
+        <a:latin typeface="+mn-lt"/>
+        <a:ea typeface="+mn-ea"/>
+        <a:cs typeface="+mn-cs"/>
+      </a:defRPr>
+    </a:lvl4pPr>
+    <a:lvl5pPr marL="1828800" algn="l" defTabSz="914400" rtl="0" eaLnBrk="1" latinLnBrk="0" hangingPunct="1">
+      <a:defRPr sz="1200" kern="1200">
+        <a:solidFill>
+          <a:schemeClr val="tx1"/>
+        </a:solidFill>
+        <a:latin typeface="+mn-lt"/>
+        <a:ea typeface="+mn-ea"/>
+        <a:cs typeface="+mn-cs"/>
+      </a:defRPr>
+    </a:lvl5pPr>
+    <a:lvl6pPr marL="2286000" algn="l" defTabSz="914400" rtl="0" eaLnBrk="1" latinLnBrk="0" hangingPunct="1">
+      <a:defRPr sz="1200" kern="1200">
+        <a:solidFill>
+          <a:schemeClr val="tx1"/>
+        </a:solidFill>
+        <a:latin typeface="+mn-lt"/>
+        <a:ea typeface="+mn-ea"/>
+        <a:cs typeface="+mn-cs"/>
+      </a:defRPr>
+    </a:lvl6pPr>
+    <a:lvl7pPr marL="2743200" algn="l" defTabSz="914400" rtl="0" eaLnBrk="1" latinLnBrk="0" hangingPunct="1">
+      <a:defRPr sz="1200" kern="1200">
+        <a:solidFill>
+          <a:schemeClr val="tx1"/>
+        </a:solidFill>
+        <a:latin typeface="+mn-lt"/>
+        <a:ea typeface="+mn-ea"/>
+        <a:cs typeface="+mn-cs"/>
+      </a:defRPr>
+    </a:lvl7pPr>
+    <a:lvl8pPr marL="3200400" algn="l" defTabSz="914400" rtl="0" eaLnBrk="1" latinLnBrk="0" hangingPunct="1">
+      <a:defRPr sz="1200" kern="1200">
+        <a:solidFill>
+          <a:schemeClr val="tx1"/>
+        </a:solidFill>
+        <a:latin typeface="+mn-lt"/>
+        <a:ea typeface="+mn-ea"/>
+        <a:cs typeface="+mn-cs"/>
+      </a:defRPr>
+    </a:lvl8pPr>
+    <a:lvl9pPr marL="3657600" algn="l" defTabSz="914400" rtl="0" eaLnBrk="1" latinLnBrk="0" hangingPunct="1">
+      <a:defRPr sz="1200" kern="1200">
+        <a:solidFill>
+          <a:schemeClr val="tx1"/>
+        </a:solidFill>
+        <a:latin typeface="+mn-lt"/>
+        <a:ea typeface="+mn-ea"/>
+        <a:cs typeface="+mn-cs"/>
+      </a:defRPr>
+    </a:lvl9pPr>
+  </p:notesStyle>
+</p:notesMaster>
+</file>
+
+<file path=ppt/notesSlides/notesSlide1.xml><?xml version="1.0" encoding="utf-8"?>
+<p:notes xmlns:a="http://schemas.openxmlformats.org/drawingml/2006/main" xmlns:r="http://schemas.openxmlformats.org/officeDocument/2006/relationships" xmlns:p="http://schemas.openxmlformats.org/presentationml/2006/main">
+  <p:cSld>
+    <p:spTree>
+      <p:nvGrpSpPr>
+        <p:cNvPr id="1" name=""/>
+        <p:cNvGrpSpPr/>
+        <p:nvPr/>
+      </p:nvGrpSpPr>
+      <p:grpSpPr>
+        <a:xfrm>
+          <a:off x="0" y="0"/>
+          <a:ext cx="0" cy="0"/>
+          <a:chOff x="0" y="0"/>
+          <a:chExt cx="0" cy="0"/>
+        </a:xfrm>
+      </p:grpSpPr>
+      <p:sp>
+        <p:nvSpPr>
+          <p:cNvPr id="2" name="Slide Image Placeholder 1"/>
+          <p:cNvSpPr>
+            <a:spLocks noGrp="1" noRot="1" noChangeAspect="1"/>
+          </p:cNvSpPr>
+          <p:nvPr>
+            <p:ph type="sldImg"/>
+          </p:nvPr>
+        </p:nvSpPr>
+        <p:spPr/>
+      </p:sp>
+      <p:sp>
+        <p:nvSpPr>
+          <p:cNvPr id="3" name="Notes Placeholder 2"/>
+          <p:cNvSpPr>
+            <a:spLocks noGrp="1"/>
+          </p:cNvSpPr>
+          <p:nvPr>
+            <p:ph type="body" idx="1"/>
+          </p:nvPr>
+        </p:nvSpPr>
+        <p:spPr/>
+        <p:txBody>
+          <a:bodyPr/>
+          <a:lstStyle/>
+          <a:p>
+            <a:endParaRPr lang="en-US" dirty="0"/>
+          </a:p>
+        </p:txBody>
+      </p:sp>
+      <p:sp>
+        <p:nvSpPr>
+          <p:cNvPr id="4" name="Slide Number Placeholder 3"/>
+          <p:cNvSpPr>
+            <a:spLocks noGrp="1"/>
+          </p:cNvSpPr>
+          <p:nvPr>
+            <p:ph type="sldNum" sz="quarter" idx="10"/>
+          </p:nvPr>
+        </p:nvSpPr>
+        <p:spPr/>
+        <p:txBody>
+          <a:bodyPr/>
+          <a:lstStyle/>
+          <a:p>
+            <a:fld id="{8741BC28-5DAD-456A-ABFE-38373E61BD22}" type="slidenum">
+              <a:rPr lang="en-US" smtClean="0"/>
+              <a:t>3</a:t>
+            </a:fld>
+            <a:endParaRPr lang="en-US"/>
+          </a:p>
+        </p:txBody>
+      </p:sp>
+    </p:spTree>
+    <p:extLst>
+      <p:ext uri="{BB962C8B-B14F-4D97-AF65-F5344CB8AC3E}">
+        <p14:creationId xmlns:p14="http://schemas.microsoft.com/office/powerpoint/2010/main" val="807506351"/>
+      </p:ext>
+    </p:extLst>
+  </p:cSld>
+  <p:clrMapOvr>
+    <a:masterClrMapping/>
+  </p:clrMapOvr>
+</p:notes>
 </file>
 
 <file path=ppt/slideLayouts/slideLayout1.xml><?xml version="1.0" encoding="utf-8"?>
@@ -4037,6 +4475,108 @@
           <a:lstStyle/>
           <a:p>
             <a:r>
+              <a:rPr lang="en-US" dirty="0" err="1" smtClean="0"/>
+              <a:t>Goto</a:t>
+            </a:r>
+            <a:r>
+              <a:rPr lang="en-US" dirty="0" smtClean="0"/>
+              <a:t> label </a:t>
+            </a:r>
+            <a:r>
+              <a:rPr lang="en-US" dirty="0" err="1" smtClean="0"/>
+              <a:t>vs</a:t>
+            </a:r>
+            <a:r>
+              <a:rPr lang="en-US" dirty="0" smtClean="0"/>
+              <a:t> </a:t>
+            </a:r>
+            <a:r>
+              <a:rPr lang="en-US" dirty="0" err="1" smtClean="0"/>
+              <a:t>goto</a:t>
+            </a:r>
+            <a:r>
+              <a:rPr lang="en-US" dirty="0" smtClean="0"/>
+              <a:t> switch</a:t>
+            </a:r>
+            <a:endParaRPr lang="en-US" dirty="0"/>
+          </a:p>
+        </p:txBody>
+      </p:sp>
+      <p:pic>
+        <p:nvPicPr>
+          <p:cNvPr id="4" name="Content Placeholder 3"/>
+          <p:cNvPicPr>
+            <a:picLocks noGrp="1" noChangeAspect="1"/>
+          </p:cNvPicPr>
+          <p:nvPr>
+            <p:ph idx="1"/>
+          </p:nvPr>
+        </p:nvPicPr>
+        <p:blipFill>
+          <a:blip r:embed="rId2" cstate="print">
+            <a:extLst>
+              <a:ext uri="{28A0092B-C50C-407E-A947-70E740481C1C}">
+                <a14:useLocalDpi xmlns:a14="http://schemas.microsoft.com/office/drawing/2010/main" val="0"/>
+              </a:ext>
+            </a:extLst>
+          </a:blip>
+          <a:stretch>
+            <a:fillRect/>
+          </a:stretch>
+        </p:blipFill>
+        <p:spPr>
+          <a:xfrm>
+            <a:off x="457200" y="1683409"/>
+            <a:ext cx="8229600" cy="4542106"/>
+          </a:xfrm>
+        </p:spPr>
+      </p:pic>
+    </p:spTree>
+    <p:extLst>
+      <p:ext uri="{BB962C8B-B14F-4D97-AF65-F5344CB8AC3E}">
+        <p14:creationId xmlns:p14="http://schemas.microsoft.com/office/powerpoint/2010/main" val="94597980"/>
+      </p:ext>
+    </p:extLst>
+  </p:cSld>
+  <p:clrMapOvr>
+    <a:masterClrMapping/>
+  </p:clrMapOvr>
+</p:sld>
+</file>
+
+<file path=ppt/slides/slide19.xml><?xml version="1.0" encoding="utf-8"?>
+<p:sld xmlns:a="http://schemas.openxmlformats.org/drawingml/2006/main" xmlns:r="http://schemas.openxmlformats.org/officeDocument/2006/relationships" xmlns:p="http://schemas.openxmlformats.org/presentationml/2006/main">
+  <p:cSld>
+    <p:spTree>
+      <p:nvGrpSpPr>
+        <p:cNvPr id="1" name=""/>
+        <p:cNvGrpSpPr/>
+        <p:nvPr/>
+      </p:nvGrpSpPr>
+      <p:grpSpPr>
+        <a:xfrm>
+          <a:off x="0" y="0"/>
+          <a:ext cx="0" cy="0"/>
+          <a:chOff x="0" y="0"/>
+          <a:chExt cx="0" cy="0"/>
+        </a:xfrm>
+      </p:grpSpPr>
+      <p:sp>
+        <p:nvSpPr>
+          <p:cNvPr id="2" name="Title 1"/>
+          <p:cNvSpPr>
+            <a:spLocks noGrp="1"/>
+          </p:cNvSpPr>
+          <p:nvPr>
+            <p:ph type="title"/>
+          </p:nvPr>
+        </p:nvSpPr>
+        <p:spPr/>
+        <p:txBody>
+          <a:bodyPr/>
+          <a:lstStyle/>
+          <a:p>
+            <a:r>
               <a:rPr lang="en-US" dirty="0" smtClean="0"/>
               <a:t>tasks</a:t>
             </a:r>
@@ -4101,7 +4641,7 @@
           <a:p>
             <a:r>
               <a:rPr lang="en-US" dirty="0" smtClean="0"/>
-              <a:t>Patterns  -&gt;number ,star</a:t>
+              <a:t>Patterns  -&gt;number , star</a:t>
             </a:r>
           </a:p>
           <a:p>
@@ -4154,11 +4694,7 @@
             </a:r>
             <a:r>
               <a:rPr lang="en-US" dirty="0" smtClean="0"/>
-              <a:t> of two </a:t>
-            </a:r>
-            <a:r>
-              <a:rPr lang="en-US" dirty="0" smtClean="0"/>
-              <a:t>number (optional)</a:t>
+              <a:t> of two number (optional)</a:t>
             </a:r>
             <a:endParaRPr lang="en-US" dirty="0"/>
           </a:p>
@@ -4389,7 +4925,7 @@
           </p:nvPr>
         </p:nvPicPr>
         <p:blipFill>
-          <a:blip r:embed="rId2">
+          <a:blip r:embed="rId3">
             <a:extLst>
               <a:ext uri="{28A0092B-C50C-407E-A947-70E740481C1C}">
                 <a14:useLocalDpi xmlns:a14="http://schemas.microsoft.com/office/drawing/2010/main" val="0"/>
@@ -4409,7 +4945,7 @@
       </p:pic>
       <mc:AlternateContent xmlns:mc="http://schemas.openxmlformats.org/markup-compatibility/2006" xmlns:p14="http://schemas.microsoft.com/office/powerpoint/2010/main">
         <mc:Choice Requires="p14">
-          <p:contentPart p14:bwMode="auto" r:id="rId3">
+          <p:contentPart p14:bwMode="auto" r:id="rId4">
             <p14:nvContentPartPr>
               <p14:cNvPr id="7" name="Ink 6"/>
               <p14:cNvContentPartPr/>
@@ -4429,7 +4965,7 @@
               <p:nvPr/>
             </p:nvPicPr>
             <p:blipFill>
-              <a:blip r:embed="rId4"/>
+              <a:blip r:embed="rId5"/>
               <a:stretch>
                 <a:fillRect/>
               </a:stretch>
@@ -4446,9 +4982,9 @@
           </p:pic>
         </mc:Fallback>
       </mc:AlternateContent>
-      <mc:AlternateContent xmlns:mc="http://schemas.openxmlformats.org/markup-compatibility/2006">
-        <mc:Choice xmlns:p14="http://schemas.microsoft.com/office/powerpoint/2010/main" Requires="p14">
-          <p:contentPart p14:bwMode="auto" r:id="rId5">
+      <mc:AlternateContent xmlns:mc="http://schemas.openxmlformats.org/markup-compatibility/2006" xmlns:p14="http://schemas.microsoft.com/office/powerpoint/2010/main">
+        <mc:Choice Requires="p14">
+          <p:contentPart p14:bwMode="auto" r:id="rId6">
             <p14:nvContentPartPr>
               <p14:cNvPr id="3" name="Ink 2"/>
               <p14:cNvContentPartPr/>
@@ -4460,7 +4996,7 @@
             </p14:xfrm>
           </p:contentPart>
         </mc:Choice>
-        <mc:Fallback>
+        <mc:Fallback xmlns="">
           <p:pic>
             <p:nvPicPr>
               <p:cNvPr id="3" name="Ink 2"/>
@@ -4468,7 +5004,7 @@
               <p:nvPr/>
             </p:nvPicPr>
             <p:blipFill>
-              <a:blip r:embed="rId6"/>
+              <a:blip r:embed="rId7"/>
               <a:stretch>
                 <a:fillRect/>
               </a:stretch>
@@ -4900,11 +5436,7 @@
           <a:p>
             <a:r>
               <a:rPr lang="en-US" dirty="0" smtClean="0"/>
-              <a:t>If else </a:t>
-            </a:r>
-            <a:r>
-              <a:rPr lang="en-US" dirty="0" smtClean="0"/>
-              <a:t>ladder </a:t>
+              <a:t>If else ladder </a:t>
             </a:r>
             <a:r>
               <a:rPr lang="en-US" dirty="0" err="1" smtClean="0"/>
@@ -5068,7 +5600,6 @@
               <a:rPr lang="en-US" sz="2000" dirty="0" smtClean="0"/>
               <a:t>{	</a:t>
             </a:r>
-            <a:endParaRPr lang="en-US" sz="2000" dirty="0" smtClean="0"/>
           </a:p>
           <a:p>
             <a:pPr marL="137160" indent="0">
@@ -5606,4 +6137,289 @@
   <a:objectDefaults/>
   <a:extraClrSchemeLst/>
 </a:theme>
+</file>
+
+<file path=ppt/theme/theme2.xml><?xml version="1.0" encoding="utf-8"?>
+<a:theme xmlns:a="http://schemas.openxmlformats.org/drawingml/2006/main" name="Office Theme">
+  <a:themeElements>
+    <a:clrScheme name="Office">
+      <a:dk1>
+        <a:sysClr val="windowText" lastClr="000000"/>
+      </a:dk1>
+      <a:lt1>
+        <a:sysClr val="window" lastClr="FFFFFF"/>
+      </a:lt1>
+      <a:dk2>
+        <a:srgbClr val="1F497D"/>
+      </a:dk2>
+      <a:lt2>
+        <a:srgbClr val="EEECE1"/>
+      </a:lt2>
+      <a:accent1>
+        <a:srgbClr val="4F81BD"/>
+      </a:accent1>
+      <a:accent2>
+        <a:srgbClr val="C0504D"/>
+      </a:accent2>
+      <a:accent3>
+        <a:srgbClr val="9BBB59"/>
+      </a:accent3>
+      <a:accent4>
+        <a:srgbClr val="8064A2"/>
+      </a:accent4>
+      <a:accent5>
+        <a:srgbClr val="4BACC6"/>
+      </a:accent5>
+      <a:accent6>
+        <a:srgbClr val="F79646"/>
+      </a:accent6>
+      <a:hlink>
+        <a:srgbClr val="0000FF"/>
+      </a:hlink>
+      <a:folHlink>
+        <a:srgbClr val="800080"/>
+      </a:folHlink>
+    </a:clrScheme>
+    <a:fontScheme name="Office">
+      <a:majorFont>
+        <a:latin typeface="Calibri"/>
+        <a:ea typeface=""/>
+        <a:cs typeface=""/>
+        <a:font script="Jpan" typeface="ＭＳ Ｐゴシック"/>
+        <a:font script="Hang" typeface="맑은 고딕"/>
+        <a:font script="Hans" typeface="宋体"/>
+        <a:font script="Hant" typeface="新細明體"/>
+        <a:font script="Arab" typeface="Times New Roman"/>
+        <a:font script="Hebr" typeface="Times New Roman"/>
+        <a:font script="Thai" typeface="Angsana New"/>
+        <a:font script="Ethi" typeface="Nyala"/>
+        <a:font script="Beng" typeface="Vrinda"/>
+        <a:font script="Gujr" typeface="Shruti"/>
+        <a:font script="Khmr" typeface="MoolBoran"/>
+        <a:font script="Knda" typeface="Tunga"/>
+        <a:font script="Guru" typeface="Raavi"/>
+        <a:font script="Cans" typeface="Euphemia"/>
+        <a:font script="Cher" typeface="Plantagenet Cherokee"/>
+        <a:font script="Yiii" typeface="Microsoft Yi Baiti"/>
+        <a:font script="Tibt" typeface="Microsoft Himalaya"/>
+        <a:font script="Thaa" typeface="MV Boli"/>
+        <a:font script="Deva" typeface="Mangal"/>
+        <a:font script="Telu" typeface="Gautami"/>
+        <a:font script="Taml" typeface="Latha"/>
+        <a:font script="Syrc" typeface="Estrangelo Edessa"/>
+        <a:font script="Orya" typeface="Kalinga"/>
+        <a:font script="Mlym" typeface="Kartika"/>
+        <a:font script="Laoo" typeface="DokChampa"/>
+        <a:font script="Sinh" typeface="Iskoola Pota"/>
+        <a:font script="Mong" typeface="Mongolian Baiti"/>
+        <a:font script="Viet" typeface="Times New Roman"/>
+        <a:font script="Uigh" typeface="Microsoft Uighur"/>
+        <a:font script="Geor" typeface="Sylfaen"/>
+      </a:majorFont>
+      <a:minorFont>
+        <a:latin typeface="Calibri"/>
+        <a:ea typeface=""/>
+        <a:cs typeface=""/>
+        <a:font script="Jpan" typeface="ＭＳ Ｐゴシック"/>
+        <a:font script="Hang" typeface="맑은 고딕"/>
+        <a:font script="Hans" typeface="宋体"/>
+        <a:font script="Hant" typeface="新細明體"/>
+        <a:font script="Arab" typeface="Arial"/>
+        <a:font script="Hebr" typeface="Arial"/>
+        <a:font script="Thai" typeface="Cordia New"/>
+        <a:font script="Ethi" typeface="Nyala"/>
+        <a:font script="Beng" typeface="Vrinda"/>
+        <a:font script="Gujr" typeface="Shruti"/>
+        <a:font script="Khmr" typeface="DaunPenh"/>
+        <a:font script="Knda" typeface="Tunga"/>
+        <a:font script="Guru" typeface="Raavi"/>
+        <a:font script="Cans" typeface="Euphemia"/>
+        <a:font script="Cher" typeface="Plantagenet Cherokee"/>
+        <a:font script="Yiii" typeface="Microsoft Yi Baiti"/>
+        <a:font script="Tibt" typeface="Microsoft Himalaya"/>
+        <a:font script="Thaa" typeface="MV Boli"/>
+        <a:font script="Deva" typeface="Mangal"/>
+        <a:font script="Telu" typeface="Gautami"/>
+        <a:font script="Taml" typeface="Latha"/>
+        <a:font script="Syrc" typeface="Estrangelo Edessa"/>
+        <a:font script="Orya" typeface="Kalinga"/>
+        <a:font script="Mlym" typeface="Kartika"/>
+        <a:font script="Laoo" typeface="DokChampa"/>
+        <a:font script="Sinh" typeface="Iskoola Pota"/>
+        <a:font script="Mong" typeface="Mongolian Baiti"/>
+        <a:font script="Viet" typeface="Arial"/>
+        <a:font script="Uigh" typeface="Microsoft Uighur"/>
+        <a:font script="Geor" typeface="Sylfaen"/>
+      </a:minorFont>
+    </a:fontScheme>
+    <a:fmtScheme name="Office">
+      <a:fillStyleLst>
+        <a:solidFill>
+          <a:schemeClr val="phClr"/>
+        </a:solidFill>
+        <a:gradFill rotWithShape="1">
+          <a:gsLst>
+            <a:gs pos="0">
+              <a:schemeClr val="phClr">
+                <a:tint val="50000"/>
+                <a:satMod val="300000"/>
+              </a:schemeClr>
+            </a:gs>
+            <a:gs pos="35000">
+              <a:schemeClr val="phClr">
+                <a:tint val="37000"/>
+                <a:satMod val="300000"/>
+              </a:schemeClr>
+            </a:gs>
+            <a:gs pos="100000">
+              <a:schemeClr val="phClr">
+                <a:tint val="15000"/>
+                <a:satMod val="350000"/>
+              </a:schemeClr>
+            </a:gs>
+          </a:gsLst>
+          <a:lin ang="16200000" scaled="1"/>
+        </a:gradFill>
+        <a:gradFill rotWithShape="1">
+          <a:gsLst>
+            <a:gs pos="0">
+              <a:schemeClr val="phClr">
+                <a:shade val="51000"/>
+                <a:satMod val="130000"/>
+              </a:schemeClr>
+            </a:gs>
+            <a:gs pos="80000">
+              <a:schemeClr val="phClr">
+                <a:shade val="93000"/>
+                <a:satMod val="130000"/>
+              </a:schemeClr>
+            </a:gs>
+            <a:gs pos="100000">
+              <a:schemeClr val="phClr">
+                <a:shade val="94000"/>
+                <a:satMod val="135000"/>
+              </a:schemeClr>
+            </a:gs>
+          </a:gsLst>
+          <a:lin ang="16200000" scaled="0"/>
+        </a:gradFill>
+      </a:fillStyleLst>
+      <a:lnStyleLst>
+        <a:ln w="9525" cap="flat" cmpd="sng" algn="ctr">
+          <a:solidFill>
+            <a:schemeClr val="phClr">
+              <a:shade val="95000"/>
+              <a:satMod val="105000"/>
+            </a:schemeClr>
+          </a:solidFill>
+          <a:prstDash val="solid"/>
+        </a:ln>
+        <a:ln w="25400" cap="flat" cmpd="sng" algn="ctr">
+          <a:solidFill>
+            <a:schemeClr val="phClr"/>
+          </a:solidFill>
+          <a:prstDash val="solid"/>
+        </a:ln>
+        <a:ln w="38100" cap="flat" cmpd="sng" algn="ctr">
+          <a:solidFill>
+            <a:schemeClr val="phClr"/>
+          </a:solidFill>
+          <a:prstDash val="solid"/>
+        </a:ln>
+      </a:lnStyleLst>
+      <a:effectStyleLst>
+        <a:effectStyle>
+          <a:effectLst>
+            <a:outerShdw blurRad="40000" dist="20000" dir="5400000" rotWithShape="0">
+              <a:srgbClr val="000000">
+                <a:alpha val="38000"/>
+              </a:srgbClr>
+            </a:outerShdw>
+          </a:effectLst>
+        </a:effectStyle>
+        <a:effectStyle>
+          <a:effectLst>
+            <a:outerShdw blurRad="40000" dist="23000" dir="5400000" rotWithShape="0">
+              <a:srgbClr val="000000">
+                <a:alpha val="35000"/>
+              </a:srgbClr>
+            </a:outerShdw>
+          </a:effectLst>
+        </a:effectStyle>
+        <a:effectStyle>
+          <a:effectLst>
+            <a:outerShdw blurRad="40000" dist="23000" dir="5400000" rotWithShape="0">
+              <a:srgbClr val="000000">
+                <a:alpha val="35000"/>
+              </a:srgbClr>
+            </a:outerShdw>
+          </a:effectLst>
+          <a:scene3d>
+            <a:camera prst="orthographicFront">
+              <a:rot lat="0" lon="0" rev="0"/>
+            </a:camera>
+            <a:lightRig rig="threePt" dir="t">
+              <a:rot lat="0" lon="0" rev="1200000"/>
+            </a:lightRig>
+          </a:scene3d>
+          <a:sp3d>
+            <a:bevelT w="63500" h="25400"/>
+          </a:sp3d>
+        </a:effectStyle>
+      </a:effectStyleLst>
+      <a:bgFillStyleLst>
+        <a:solidFill>
+          <a:schemeClr val="phClr"/>
+        </a:solidFill>
+        <a:gradFill rotWithShape="1">
+          <a:gsLst>
+            <a:gs pos="0">
+              <a:schemeClr val="phClr">
+                <a:tint val="40000"/>
+                <a:satMod val="350000"/>
+              </a:schemeClr>
+            </a:gs>
+            <a:gs pos="40000">
+              <a:schemeClr val="phClr">
+                <a:tint val="45000"/>
+                <a:shade val="99000"/>
+                <a:satMod val="350000"/>
+              </a:schemeClr>
+            </a:gs>
+            <a:gs pos="100000">
+              <a:schemeClr val="phClr">
+                <a:shade val="20000"/>
+                <a:satMod val="255000"/>
+              </a:schemeClr>
+            </a:gs>
+          </a:gsLst>
+          <a:path path="circle">
+            <a:fillToRect l="50000" t="-80000" r="50000" b="180000"/>
+          </a:path>
+        </a:gradFill>
+        <a:gradFill rotWithShape="1">
+          <a:gsLst>
+            <a:gs pos="0">
+              <a:schemeClr val="phClr">
+                <a:tint val="80000"/>
+                <a:satMod val="300000"/>
+              </a:schemeClr>
+            </a:gs>
+            <a:gs pos="100000">
+              <a:schemeClr val="phClr">
+                <a:shade val="30000"/>
+                <a:satMod val="200000"/>
+              </a:schemeClr>
+            </a:gs>
+          </a:gsLst>
+          <a:path path="circle">
+            <a:fillToRect l="50000" t="50000" r="50000" b="50000"/>
+          </a:path>
+        </a:gradFill>
+      </a:bgFillStyleLst>
+    </a:fmtScheme>
+  </a:themeElements>
+  <a:objectDefaults/>
+  <a:extraClrSchemeLst/>
+</a:theme>
 </file>